--- a/Seccion 6 Analisis Factorial/Diapositivas/6.6 Estimación de los factores.pptx
+++ b/Seccion 6 Analisis Factorial/Diapositivas/6.6 Estimación de los factores.pptx
@@ -270,7 +270,7 @@
             <a:fld id="{B61BEF0D-F0BB-DE4B-95CE-6DB70DBA9567}" type="datetimeFigureOut">
               <a:rPr lang="en-US" smtClean="0"/>
               <a:pPr/>
-              <a:t>1/27/2020</a:t>
+              <a:t>4/6/2020</a:t>
             </a:fld>
             <a:endParaRPr lang="en-US" dirty="0"/>
           </a:p>
@@ -469,7 +469,7 @@
           <a:p>
             <a:fld id="{55C6B4A9-1611-4792-9094-5F34BCA07E0B}" type="datetimeFigureOut">
               <a:rPr lang="en-US" smtClean="0"/>
-              <a:t>1/27/2020</a:t>
+              <a:t>4/6/2020</a:t>
             </a:fld>
             <a:endParaRPr lang="en-US" dirty="0"/>
           </a:p>
@@ -678,7 +678,7 @@
             <a:fld id="{B61BEF0D-F0BB-DE4B-95CE-6DB70DBA9567}" type="datetimeFigureOut">
               <a:rPr lang="en-US" smtClean="0"/>
               <a:pPr/>
-              <a:t>1/27/2020</a:t>
+              <a:t>4/6/2020</a:t>
             </a:fld>
             <a:endParaRPr lang="en-US" dirty="0"/>
           </a:p>
@@ -1498,7 +1498,7 @@
             <a:fld id="{B61BEF0D-F0BB-DE4B-95CE-6DB70DBA9567}" type="datetimeFigureOut">
               <a:rPr lang="en-US" smtClean="0"/>
               <a:pPr/>
-              <a:t>1/27/2020</a:t>
+              <a:t>4/6/2020</a:t>
             </a:fld>
             <a:endParaRPr lang="en-US" dirty="0"/>
           </a:p>
@@ -1670,7 +1670,7 @@
             <a:fld id="{B61BEF0D-F0BB-DE4B-95CE-6DB70DBA9567}" type="datetimeFigureOut">
               <a:rPr lang="en-US" smtClean="0"/>
               <a:pPr/>
-              <a:t>1/27/2020</a:t>
+              <a:t>4/6/2020</a:t>
             </a:fld>
             <a:endParaRPr lang="en-US" dirty="0"/>
           </a:p>
@@ -1919,7 +1919,7 @@
             <a:fld id="{B61BEF0D-F0BB-DE4B-95CE-6DB70DBA9567}" type="datetimeFigureOut">
               <a:rPr lang="en-US" smtClean="0"/>
               <a:pPr/>
-              <a:t>1/27/2020</a:t>
+              <a:t>4/6/2020</a:t>
             </a:fld>
             <a:endParaRPr lang="en-US" dirty="0"/>
           </a:p>
@@ -2152,7 +2152,7 @@
           <a:p>
             <a:fld id="{EB712588-04B1-427B-82EE-E8DB90309F08}" type="datetimeFigureOut">
               <a:rPr lang="en-US" smtClean="0"/>
-              <a:t>1/27/2020</a:t>
+              <a:t>4/6/2020</a:t>
             </a:fld>
             <a:endParaRPr lang="en-US" dirty="0"/>
           </a:p>
@@ -2527,7 +2527,7 @@
             <a:fld id="{B61BEF0D-F0BB-DE4B-95CE-6DB70DBA9567}" type="datetimeFigureOut">
               <a:rPr lang="en-US" smtClean="0"/>
               <a:pPr/>
-              <a:t>1/27/2020</a:t>
+              <a:t>4/6/2020</a:t>
             </a:fld>
             <a:endParaRPr lang="en-US" dirty="0"/>
           </a:p>
@@ -2652,7 +2652,7 @@
             <a:fld id="{B61BEF0D-F0BB-DE4B-95CE-6DB70DBA9567}" type="datetimeFigureOut">
               <a:rPr lang="en-US" smtClean="0"/>
               <a:pPr/>
-              <a:t>1/27/2020</a:t>
+              <a:t>4/6/2020</a:t>
             </a:fld>
             <a:endParaRPr lang="en-US" dirty="0"/>
           </a:p>
@@ -2749,7 +2749,7 @@
             <a:fld id="{B61BEF0D-F0BB-DE4B-95CE-6DB70DBA9567}" type="datetimeFigureOut">
               <a:rPr lang="en-US" smtClean="0"/>
               <a:pPr/>
-              <a:t>1/27/2020</a:t>
+              <a:t>4/6/2020</a:t>
             </a:fld>
             <a:endParaRPr lang="en-US" dirty="0"/>
           </a:p>
@@ -3005,7 +3005,7 @@
           <a:p>
             <a:fld id="{42A54C80-263E-416B-A8E0-580EDEADCBDC}" type="datetimeFigureOut">
               <a:rPr lang="en-US" smtClean="0"/>
-              <a:t>1/27/2020</a:t>
+              <a:t>4/6/2020</a:t>
             </a:fld>
             <a:endParaRPr lang="en-US" dirty="0"/>
           </a:p>
@@ -3192,7 +3192,7 @@
             <a:fld id="{B61BEF0D-F0BB-DE4B-95CE-6DB70DBA9567}" type="datetimeFigureOut">
               <a:rPr lang="en-US" smtClean="0"/>
               <a:pPr/>
-              <a:t>1/27/2020</a:t>
+              <a:t>4/6/2020</a:t>
             </a:fld>
             <a:endParaRPr lang="en-US" dirty="0"/>
           </a:p>
@@ -3512,7 +3512,7 @@
             <a:fld id="{B61BEF0D-F0BB-DE4B-95CE-6DB70DBA9567}" type="datetimeFigureOut">
               <a:rPr lang="en-US" smtClean="0"/>
               <a:pPr/>
-              <a:t>1/27/2020</a:t>
+              <a:t>4/6/2020</a:t>
             </a:fld>
             <a:endParaRPr lang="en-US" dirty="0"/>
           </a:p>
@@ -3722,7 +3722,7 @@
             <a:fld id="{B61BEF0D-F0BB-DE4B-95CE-6DB70DBA9567}" type="datetimeFigureOut">
               <a:rPr lang="en-US" smtClean="0"/>
               <a:pPr/>
-              <a:t>1/27/2020</a:t>
+              <a:t>4/6/2020</a:t>
             </a:fld>
             <a:endParaRPr lang="en-US" dirty="0"/>
           </a:p>
@@ -4038,7 +4038,7 @@
             <a:fld id="{B61BEF0D-F0BB-DE4B-95CE-6DB70DBA9567}" type="datetimeFigureOut">
               <a:rPr lang="en-US" smtClean="0"/>
               <a:pPr/>
-              <a:t>1/27/2020</a:t>
+              <a:t>4/6/2020</a:t>
             </a:fld>
             <a:endParaRPr lang="en-US" dirty="0"/>
           </a:p>
@@ -4373,7 +4373,7 @@
             <a:fld id="{B61BEF0D-F0BB-DE4B-95CE-6DB70DBA9567}" type="datetimeFigureOut">
               <a:rPr lang="en-US" smtClean="0"/>
               <a:pPr/>
-              <a:t>1/27/2020</a:t>
+              <a:t>4/6/2020</a:t>
             </a:fld>
             <a:endParaRPr lang="en-US" dirty="0"/>
           </a:p>
@@ -4689,7 +4689,7 @@
             <a:fld id="{B61BEF0D-F0BB-DE4B-95CE-6DB70DBA9567}" type="datetimeFigureOut">
               <a:rPr lang="en-US" smtClean="0"/>
               <a:pPr/>
-              <a:t>1/27/2020</a:t>
+              <a:t>4/6/2020</a:t>
             </a:fld>
             <a:endParaRPr lang="en-US" dirty="0"/>
           </a:p>
@@ -5084,7 +5084,7 @@
             <a:fld id="{B61BEF0D-F0BB-DE4B-95CE-6DB70DBA9567}" type="datetimeFigureOut">
               <a:rPr lang="en-US" smtClean="0"/>
               <a:pPr/>
-              <a:t>1/27/2020</a:t>
+              <a:t>4/6/2020</a:t>
             </a:fld>
             <a:endParaRPr lang="en-US" dirty="0"/>
           </a:p>
@@ -5255,7 +5255,7 @@
           <a:p>
             <a:fld id="{55C6B4A9-1611-4792-9094-5F34BCA07E0B}" type="datetimeFigureOut">
               <a:rPr lang="en-US" smtClean="0"/>
-              <a:t>1/27/2020</a:t>
+              <a:t>4/6/2020</a:t>
             </a:fld>
             <a:endParaRPr lang="en-US" dirty="0"/>
           </a:p>
@@ -5436,7 +5436,7 @@
             <a:fld id="{B61BEF0D-F0BB-DE4B-95CE-6DB70DBA9567}" type="datetimeFigureOut">
               <a:rPr lang="en-US" smtClean="0"/>
               <a:pPr/>
-              <a:t>1/27/2020</a:t>
+              <a:t>4/6/2020</a:t>
             </a:fld>
             <a:endParaRPr lang="en-US" dirty="0"/>
           </a:p>
@@ -5701,7 +5701,7 @@
             <a:fld id="{B61BEF0D-F0BB-DE4B-95CE-6DB70DBA9567}" type="datetimeFigureOut">
               <a:rPr lang="en-US" smtClean="0"/>
               <a:pPr/>
-              <a:t>1/27/2020</a:t>
+              <a:t>4/6/2020</a:t>
             </a:fld>
             <a:endParaRPr lang="en-US" dirty="0"/>
           </a:p>
@@ -5967,7 +5967,7 @@
           <a:p>
             <a:fld id="{EB712588-04B1-427B-82EE-E8DB90309F08}" type="datetimeFigureOut">
               <a:rPr lang="en-US" smtClean="0"/>
-              <a:t>1/27/2020</a:t>
+              <a:t>4/6/2020</a:t>
             </a:fld>
             <a:endParaRPr lang="en-US" dirty="0"/>
           </a:p>
@@ -6380,7 +6380,7 @@
             <a:fld id="{B61BEF0D-F0BB-DE4B-95CE-6DB70DBA9567}" type="datetimeFigureOut">
               <a:rPr lang="en-US" smtClean="0"/>
               <a:pPr/>
-              <a:t>1/27/2020</a:t>
+              <a:t>4/6/2020</a:t>
             </a:fld>
             <a:endParaRPr lang="en-US" dirty="0"/>
           </a:p>
@@ -6523,7 +6523,7 @@
             <a:fld id="{B61BEF0D-F0BB-DE4B-95CE-6DB70DBA9567}" type="datetimeFigureOut">
               <a:rPr lang="en-US" smtClean="0"/>
               <a:pPr/>
-              <a:t>1/27/2020</a:t>
+              <a:t>4/6/2020</a:t>
             </a:fld>
             <a:endParaRPr lang="en-US" dirty="0"/>
           </a:p>
@@ -6638,7 +6638,7 @@
             <a:fld id="{B61BEF0D-F0BB-DE4B-95CE-6DB70DBA9567}" type="datetimeFigureOut">
               <a:rPr lang="en-US" smtClean="0"/>
               <a:pPr/>
-              <a:t>1/27/2020</a:t>
+              <a:t>4/6/2020</a:t>
             </a:fld>
             <a:endParaRPr lang="en-US" dirty="0"/>
           </a:p>
@@ -6950,7 +6950,7 @@
           <a:p>
             <a:fld id="{42A54C80-263E-416B-A8E0-580EDEADCBDC}" type="datetimeFigureOut">
               <a:rPr lang="en-US" smtClean="0"/>
-              <a:t>1/27/2020</a:t>
+              <a:t>4/6/2020</a:t>
             </a:fld>
             <a:endParaRPr lang="en-US" dirty="0"/>
           </a:p>
@@ -7239,7 +7239,7 @@
             <a:fld id="{B61BEF0D-F0BB-DE4B-95CE-6DB70DBA9567}" type="datetimeFigureOut">
               <a:rPr lang="en-US" smtClean="0"/>
               <a:pPr/>
-              <a:t>1/27/2020</a:t>
+              <a:t>4/6/2020</a:t>
             </a:fld>
             <a:endParaRPr lang="en-US" dirty="0"/>
           </a:p>
@@ -7482,7 +7482,7 @@
             <a:fld id="{B61BEF0D-F0BB-DE4B-95CE-6DB70DBA9567}" type="datetimeFigureOut">
               <a:rPr lang="en-US" smtClean="0"/>
               <a:pPr/>
-              <a:t>1/27/2020</a:t>
+              <a:t>4/6/2020</a:t>
             </a:fld>
             <a:endParaRPr lang="en-US" dirty="0"/>
           </a:p>
@@ -8567,7 +8567,7 @@
             <a:fld id="{B61BEF0D-F0BB-DE4B-95CE-6DB70DBA9567}" type="datetimeFigureOut">
               <a:rPr lang="en-US" smtClean="0"/>
               <a:pPr/>
-              <a:t>1/27/2020</a:t>
+              <a:t>4/6/2020</a:t>
             </a:fld>
             <a:endParaRPr lang="en-US" dirty="0"/>
           </a:p>
@@ -9322,7 +9322,27 @@
                     <a:latin typeface="Calibri" panose="020F0502020204030204" pitchFamily="34" charset="0"/>
                     <a:cs typeface="Calibri" panose="020F0502020204030204" pitchFamily="34" charset="0"/>
                   </a:rPr>
-                  <a:t>Consideremos el mismo ejemplo de los 8 estados de USA.</a:t>
+                  <a:t>Consideremos el mismo ejemplo de </a:t>
+                </a:r>
+                <a:r>
+                  <a:rPr lang="es-ES">
+                    <a:solidFill>
+                      <a:schemeClr val="bg1"/>
+                    </a:solidFill>
+                    <a:latin typeface="Calibri" panose="020F0502020204030204" pitchFamily="34" charset="0"/>
+                    <a:cs typeface="Calibri" panose="020F0502020204030204" pitchFamily="34" charset="0"/>
+                  </a:rPr>
+                  <a:t>los 50 </a:t>
+                </a:r>
+                <a:r>
+                  <a:rPr lang="es-ES" dirty="0">
+                    <a:solidFill>
+                      <a:schemeClr val="bg1"/>
+                    </a:solidFill>
+                    <a:latin typeface="Calibri" panose="020F0502020204030204" pitchFamily="34" charset="0"/>
+                    <a:cs typeface="Calibri" panose="020F0502020204030204" pitchFamily="34" charset="0"/>
+                  </a:rPr>
+                  <a:t>estados de USA.</a:t>
                 </a:r>
               </a:p>
               <a:p>
@@ -9617,7 +9637,27 @@
                     <a:latin typeface="Calibri" panose="020F0502020204030204" pitchFamily="34" charset="0"/>
                     <a:cs typeface="Calibri" panose="020F0502020204030204" pitchFamily="34" charset="0"/>
                   </a:rPr>
-                  <a:t>Vamos a ver el método Bartlett, que supone que el vector de valores de los factores para cada observación es un parámetro a estimar.</a:t>
+                  <a:t>Vamos a ver el método Bartlett, que supone que el </a:t>
+                </a:r>
+                <a:r>
+                  <a:rPr lang="es-ES" dirty="0">
+                    <a:solidFill>
+                      <a:srgbClr val="92D050"/>
+                    </a:solidFill>
+                    <a:latin typeface="Calibri" panose="020F0502020204030204" pitchFamily="34" charset="0"/>
+                    <a:cs typeface="Calibri" panose="020F0502020204030204" pitchFamily="34" charset="0"/>
+                  </a:rPr>
+                  <a:t>vector de valores de los factores </a:t>
+                </a:r>
+                <a:r>
+                  <a:rPr lang="es-ES" dirty="0">
+                    <a:solidFill>
+                      <a:schemeClr val="bg1"/>
+                    </a:solidFill>
+                    <a:latin typeface="Calibri" panose="020F0502020204030204" pitchFamily="34" charset="0"/>
+                    <a:cs typeface="Calibri" panose="020F0502020204030204" pitchFamily="34" charset="0"/>
+                  </a:rPr>
+                  <a:t>para cada observación es un parámetro a estimar.</a:t>
                 </a:r>
               </a:p>
               <a:p>
@@ -9703,7 +9743,7 @@
                     <m:sSub>
                       <m:sSubPr>
                         <m:ctrlPr>
-                          <a:rPr lang="es-ES" b="0" i="0" dirty="0" smtClean="0">
+                          <a:rPr lang="es-ES" b="0" i="1" dirty="0" smtClean="0">
                             <a:solidFill>
                               <a:schemeClr val="bg1"/>
                             </a:solidFill>
@@ -9767,7 +9807,7 @@
                     <m:sSub>
                       <m:sSubPr>
                         <m:ctrlPr>
-                          <a:rPr lang="es-ES" b="0" i="0" dirty="0" smtClean="0">
+                          <a:rPr lang="es-ES" b="0" i="1" dirty="0" smtClean="0">
                             <a:solidFill>
                               <a:schemeClr val="bg1"/>
                             </a:solidFill>
@@ -10085,7 +10125,7 @@
                           <m:sSub>
                             <m:sSubPr>
                               <m:ctrlPr>
-                                <a:rPr lang="es-ES" b="1" i="0" dirty="0" smtClean="0">
+                                <a:rPr lang="es-ES" b="1" i="1" dirty="0" smtClean="0">
                                   <a:solidFill>
                                     <a:schemeClr val="bg1"/>
                                   </a:solidFill>
@@ -10361,8 +10401,8 @@
           </a:p>
         </p:txBody>
       </p:sp>
-      <mc:AlternateContent xmlns:mc="http://schemas.openxmlformats.org/markup-compatibility/2006">
-        <mc:Choice xmlns:a14="http://schemas.microsoft.com/office/drawing/2010/main" Requires="a14">
+      <mc:AlternateContent xmlns:mc="http://schemas.openxmlformats.org/markup-compatibility/2006" xmlns:a14="http://schemas.microsoft.com/office/drawing/2010/main">
+        <mc:Choice Requires="a14">
           <p:sp>
             <p:nvSpPr>
               <p:cNvPr id="3" name="Marcador de contenido 2">
@@ -11997,7 +12037,7 @@
             </p:txBody>
           </p:sp>
         </mc:Choice>
-        <mc:Fallback>
+        <mc:Fallback xmlns="">
           <p:sp>
             <p:nvSpPr>
               <p:cNvPr id="3" name="Marcador de contenido 2">
@@ -12148,7 +12188,27 @@
                     <a:latin typeface="Calibri" panose="020F0502020204030204" pitchFamily="34" charset="0"/>
                     <a:cs typeface="Calibri" panose="020F0502020204030204" pitchFamily="34" charset="0"/>
                   </a:rPr>
-                  <a:t>El análisis factorial de componentes principales (PCFA) y el análisis factorial principal (PFA) son procedimientos no paramétricos y, por lo tanto, pueden aplicarse a los datos sin requerir conocimiento de la distribución subyacente de los datos.</a:t>
+                  <a:t>El análisis factorial de componentes principales (PCFA) y el análisis factorial principal (PFA) son </a:t>
+                </a:r>
+                <a:r>
+                  <a:rPr lang="es-ES" dirty="0">
+                    <a:solidFill>
+                      <a:srgbClr val="92D050"/>
+                    </a:solidFill>
+                    <a:latin typeface="Calibri" panose="020F0502020204030204" pitchFamily="34" charset="0"/>
+                    <a:cs typeface="Calibri" panose="020F0502020204030204" pitchFamily="34" charset="0"/>
+                  </a:rPr>
+                  <a:t>procedimientos no paramétricos </a:t>
+                </a:r>
+                <a:r>
+                  <a:rPr lang="es-ES" dirty="0">
+                    <a:solidFill>
+                      <a:schemeClr val="bg1"/>
+                    </a:solidFill>
+                    <a:latin typeface="Calibri" panose="020F0502020204030204" pitchFamily="34" charset="0"/>
+                    <a:cs typeface="Calibri" panose="020F0502020204030204" pitchFamily="34" charset="0"/>
+                  </a:rPr>
+                  <a:t>y, por lo tanto, pueden aplicarse a los datos sin requerir conocimiento de la distribución subyacente de los datos.</a:t>
                 </a:r>
               </a:p>
               <a:p>
@@ -13170,9 +13230,9 @@
                     <m:sSub>
                       <m:sSubPr>
                         <m:ctrlPr>
-                          <a:rPr lang="es-ES" i="1">
+                          <a:rPr lang="es-ES" i="1" smtClean="0">
                             <a:solidFill>
-                              <a:schemeClr val="bg1"/>
+                              <a:srgbClr val="FFC000"/>
                             </a:solidFill>
                             <a:latin typeface="Cambria Math" panose="02040503050406030204" pitchFamily="18" charset="0"/>
                             <a:cs typeface="Calibri" panose="020F0502020204030204" pitchFamily="34" charset="0"/>
@@ -13186,7 +13246,7 @@
                           </m:rPr>
                           <a:rPr lang="es-ES">
                             <a:solidFill>
-                              <a:schemeClr val="bg1"/>
+                              <a:srgbClr val="FFC000"/>
                             </a:solidFill>
                             <a:latin typeface="Cambria Math" panose="02040503050406030204" pitchFamily="18" charset="0"/>
                             <a:cs typeface="Calibri" panose="020F0502020204030204" pitchFamily="34" charset="0"/>
@@ -13198,7 +13258,7 @@
                         <m:r>
                           <a:rPr lang="es-ES" i="1">
                             <a:solidFill>
-                              <a:schemeClr val="bg1"/>
+                              <a:srgbClr val="FFC000"/>
                             </a:solidFill>
                             <a:latin typeface="Cambria Math" panose="02040503050406030204" pitchFamily="18" charset="0"/>
                             <a:cs typeface="Calibri" panose="020F0502020204030204" pitchFamily="34" charset="0"/>
@@ -13210,7 +13270,7 @@
                     <m:r>
                       <a:rPr lang="es-ES" b="0" i="1" smtClean="0">
                         <a:solidFill>
-                          <a:schemeClr val="bg1"/>
+                          <a:srgbClr val="FFC000"/>
                         </a:solidFill>
                         <a:latin typeface="Cambria Math" panose="02040503050406030204" pitchFamily="18" charset="0"/>
                         <a:cs typeface="Calibri" panose="020F0502020204030204" pitchFamily="34" charset="0"/>
@@ -13223,7 +13283,7 @@
                       </m:rPr>
                       <a:rPr lang="es-ES" b="0" i="0" smtClean="0">
                         <a:solidFill>
-                          <a:schemeClr val="bg1"/>
+                          <a:srgbClr val="FFC000"/>
                         </a:solidFill>
                         <a:latin typeface="Cambria Math" panose="02040503050406030204" pitchFamily="18" charset="0"/>
                         <a:cs typeface="Calibri" panose="020F0502020204030204" pitchFamily="34" charset="0"/>
@@ -13233,9 +13293,9 @@
                     <m:sSup>
                       <m:sSupPr>
                         <m:ctrlPr>
-                          <a:rPr lang="es-ES" b="0" i="0" smtClean="0">
+                          <a:rPr lang="es-ES" b="0" i="1" smtClean="0">
                             <a:solidFill>
-                              <a:schemeClr val="bg1"/>
+                              <a:srgbClr val="FFC000"/>
                             </a:solidFill>
                             <a:latin typeface="Cambria Math" panose="02040503050406030204" pitchFamily="18" charset="0"/>
                             <a:cs typeface="Calibri" panose="020F0502020204030204" pitchFamily="34" charset="0"/>
@@ -13249,7 +13309,7 @@
                           </m:rPr>
                           <a:rPr lang="es-ES">
                             <a:solidFill>
-                              <a:schemeClr val="bg1"/>
+                              <a:srgbClr val="FFC000"/>
                             </a:solidFill>
                             <a:latin typeface="Cambria Math" panose="02040503050406030204" pitchFamily="18" charset="0"/>
                             <a:cs typeface="Calibri" panose="020F0502020204030204" pitchFamily="34" charset="0"/>
@@ -13264,7 +13324,7 @@
                           </m:rPr>
                           <a:rPr lang="es-ES" b="0" i="0" smtClean="0">
                             <a:solidFill>
-                              <a:schemeClr val="bg1"/>
+                              <a:srgbClr val="FFC000"/>
                             </a:solidFill>
                             <a:latin typeface="Cambria Math" panose="02040503050406030204" pitchFamily="18" charset="0"/>
                             <a:cs typeface="Calibri" panose="020F0502020204030204" pitchFamily="34" charset="0"/>
@@ -13276,7 +13336,7 @@
                     <m:r>
                       <a:rPr lang="es-ES" b="0" i="0" smtClean="0">
                         <a:solidFill>
-                          <a:schemeClr val="bg1"/>
+                          <a:srgbClr val="FFC000"/>
                         </a:solidFill>
                         <a:latin typeface="Cambria Math" panose="02040503050406030204" pitchFamily="18" charset="0"/>
                         <a:cs typeface="Calibri" panose="020F0502020204030204" pitchFamily="34" charset="0"/>
@@ -13286,7 +13346,7 @@
                     <m:r>
                       <a:rPr lang="es-ES" b="0" i="1" smtClean="0">
                         <a:solidFill>
-                          <a:schemeClr val="bg1"/>
+                          <a:srgbClr val="FFC000"/>
                         </a:solidFill>
                         <a:latin typeface="Cambria Math" panose="02040503050406030204" pitchFamily="18" charset="0"/>
                         <a:cs typeface="Calibri" panose="020F0502020204030204" pitchFamily="34" charset="0"/>
@@ -13430,9 +13490,9 @@
                     <m:sSub>
                       <m:sSubPr>
                         <m:ctrlPr>
-                          <a:rPr lang="es-ES" i="1">
+                          <a:rPr lang="es-ES" i="1" smtClean="0">
                             <a:solidFill>
-                              <a:schemeClr val="bg1"/>
+                              <a:srgbClr val="92D050"/>
                             </a:solidFill>
                             <a:latin typeface="Cambria Math" panose="02040503050406030204" pitchFamily="18" charset="0"/>
                             <a:cs typeface="Calibri" panose="020F0502020204030204" pitchFamily="34" charset="0"/>
@@ -13446,7 +13506,7 @@
                             <m:ctrlPr>
                               <a:rPr lang="es-ES" i="1" smtClean="0">
                                 <a:solidFill>
-                                  <a:schemeClr val="bg1"/>
+                                  <a:srgbClr val="92D050"/>
                                 </a:solidFill>
                                 <a:latin typeface="Cambria Math" panose="02040503050406030204" pitchFamily="18" charset="0"/>
                                 <a:cs typeface="Calibri" panose="020F0502020204030204" pitchFamily="34" charset="0"/>
@@ -13457,7 +13517,7 @@
                             <m:r>
                               <a:rPr lang="es-ES" b="1" i="1">
                                 <a:solidFill>
-                                  <a:schemeClr val="bg1"/>
+                                  <a:srgbClr val="92D050"/>
                                 </a:solidFill>
                                 <a:latin typeface="Cambria Math" panose="02040503050406030204" pitchFamily="18" charset="0"/>
                                 <a:cs typeface="Calibri" panose="020F0502020204030204" pitchFamily="34" charset="0"/>
@@ -13471,7 +13531,7 @@
                         <m:r>
                           <a:rPr lang="es-ES" i="1">
                             <a:solidFill>
-                              <a:schemeClr val="bg1"/>
+                              <a:srgbClr val="92D050"/>
                             </a:solidFill>
                             <a:latin typeface="Cambria Math" panose="02040503050406030204" pitchFamily="18" charset="0"/>
                             <a:cs typeface="Calibri" panose="020F0502020204030204" pitchFamily="34" charset="0"/>
@@ -13483,7 +13543,7 @@
                     <m:r>
                       <a:rPr lang="es-ES" b="0" i="1" smtClean="0">
                         <a:solidFill>
-                          <a:schemeClr val="bg1"/>
+                          <a:srgbClr val="92D050"/>
                         </a:solidFill>
                         <a:latin typeface="Cambria Math" panose="02040503050406030204" pitchFamily="18" charset="0"/>
                         <a:cs typeface="Calibri" panose="020F0502020204030204" pitchFamily="34" charset="0"/>
@@ -13494,9 +13554,9 @@
                       <m:accPr>
                         <m:chr m:val="̅"/>
                         <m:ctrlPr>
-                          <a:rPr lang="es-ES" b="1" smtClean="0">
+                          <a:rPr lang="es-ES" b="1" i="1" smtClean="0">
                             <a:solidFill>
-                              <a:schemeClr val="bg1"/>
+                              <a:srgbClr val="92D050"/>
                             </a:solidFill>
                             <a:latin typeface="Cambria Math" panose="02040503050406030204" pitchFamily="18" charset="0"/>
                             <a:cs typeface="Calibri" panose="020F0502020204030204" pitchFamily="34" charset="0"/>
@@ -13507,7 +13567,7 @@
                         <m:r>
                           <a:rPr lang="es-ES" b="1" i="0" smtClean="0">
                             <a:solidFill>
-                              <a:schemeClr val="bg1"/>
+                              <a:srgbClr val="92D050"/>
                             </a:solidFill>
                             <a:latin typeface="Cambria Math" panose="02040503050406030204" pitchFamily="18" charset="0"/>
                             <a:cs typeface="Calibri" panose="020F0502020204030204" pitchFamily="34" charset="0"/>
@@ -14153,9 +14213,9 @@
                     <m:sSub>
                       <m:sSubPr>
                         <m:ctrlPr>
-                          <a:rPr lang="es-ES" i="1">
+                          <a:rPr lang="es-ES" i="1" smtClean="0">
                             <a:solidFill>
-                              <a:schemeClr val="bg1"/>
+                              <a:srgbClr val="FFC000"/>
                             </a:solidFill>
                             <a:latin typeface="Cambria Math" panose="02040503050406030204" pitchFamily="18" charset="0"/>
                             <a:cs typeface="Calibri" panose="020F0502020204030204" pitchFamily="34" charset="0"/>
@@ -14169,7 +14229,7 @@
                           </m:rPr>
                           <a:rPr lang="es-ES">
                             <a:solidFill>
-                              <a:schemeClr val="bg1"/>
+                              <a:srgbClr val="FFC000"/>
                             </a:solidFill>
                             <a:latin typeface="Cambria Math" panose="02040503050406030204" pitchFamily="18" charset="0"/>
                             <a:cs typeface="Calibri" panose="020F0502020204030204" pitchFamily="34" charset="0"/>
@@ -14181,7 +14241,7 @@
                         <m:r>
                           <a:rPr lang="es-ES" i="1">
                             <a:solidFill>
-                              <a:schemeClr val="bg1"/>
+                              <a:srgbClr val="FFC000"/>
                             </a:solidFill>
                             <a:latin typeface="Cambria Math" panose="02040503050406030204" pitchFamily="18" charset="0"/>
                             <a:cs typeface="Calibri" panose="020F0502020204030204" pitchFamily="34" charset="0"/>
@@ -14193,7 +14253,7 @@
                     <m:r>
                       <a:rPr lang="es-ES" i="1">
                         <a:solidFill>
-                          <a:schemeClr val="bg1"/>
+                          <a:srgbClr val="FFC000"/>
                         </a:solidFill>
                         <a:latin typeface="Cambria Math" panose="02040503050406030204" pitchFamily="18" charset="0"/>
                         <a:cs typeface="Calibri" panose="020F0502020204030204" pitchFamily="34" charset="0"/>
@@ -14206,7 +14266,7 @@
                       </m:rPr>
                       <a:rPr lang="es-ES">
                         <a:solidFill>
-                          <a:schemeClr val="bg1"/>
+                          <a:srgbClr val="FFC000"/>
                         </a:solidFill>
                         <a:latin typeface="Cambria Math" panose="02040503050406030204" pitchFamily="18" charset="0"/>
                         <a:cs typeface="Calibri" panose="020F0502020204030204" pitchFamily="34" charset="0"/>
@@ -14218,7 +14278,7 @@
                         <m:ctrlPr>
                           <a:rPr lang="es-ES" i="1">
                             <a:solidFill>
-                              <a:schemeClr val="bg1"/>
+                              <a:srgbClr val="FFC000"/>
                             </a:solidFill>
                             <a:latin typeface="Cambria Math" panose="02040503050406030204" pitchFamily="18" charset="0"/>
                             <a:cs typeface="Calibri" panose="020F0502020204030204" pitchFamily="34" charset="0"/>
@@ -14232,7 +14292,7 @@
                           </m:rPr>
                           <a:rPr lang="es-ES">
                             <a:solidFill>
-                              <a:schemeClr val="bg1"/>
+                              <a:srgbClr val="FFC000"/>
                             </a:solidFill>
                             <a:latin typeface="Cambria Math" panose="02040503050406030204" pitchFamily="18" charset="0"/>
                             <a:cs typeface="Calibri" panose="020F0502020204030204" pitchFamily="34" charset="0"/>
@@ -14247,7 +14307,7 @@
                           </m:rPr>
                           <a:rPr lang="es-ES">
                             <a:solidFill>
-                              <a:schemeClr val="bg1"/>
+                              <a:srgbClr val="FFC000"/>
                             </a:solidFill>
                             <a:latin typeface="Cambria Math" panose="02040503050406030204" pitchFamily="18" charset="0"/>
                             <a:cs typeface="Calibri" panose="020F0502020204030204" pitchFamily="34" charset="0"/>
@@ -14259,7 +14319,7 @@
                     <m:r>
                       <a:rPr lang="es-ES">
                         <a:solidFill>
-                          <a:schemeClr val="bg1"/>
+                          <a:srgbClr val="FFC000"/>
                         </a:solidFill>
                         <a:latin typeface="Cambria Math" panose="02040503050406030204" pitchFamily="18" charset="0"/>
                         <a:cs typeface="Calibri" panose="020F0502020204030204" pitchFamily="34" charset="0"/>
@@ -14269,7 +14329,7 @@
                     <m:r>
                       <a:rPr lang="es-ES" i="1">
                         <a:solidFill>
-                          <a:schemeClr val="bg1"/>
+                          <a:srgbClr val="FFC000"/>
                         </a:solidFill>
                         <a:latin typeface="Cambria Math" panose="02040503050406030204" pitchFamily="18" charset="0"/>
                         <a:cs typeface="Calibri" panose="020F0502020204030204" pitchFamily="34" charset="0"/>
@@ -15033,7 +15093,7 @@
                 <a:r>
                   <a:rPr lang="es-ES" dirty="0">
                     <a:solidFill>
-                      <a:schemeClr val="bg1"/>
+                      <a:srgbClr val="FFC000"/>
                     </a:solidFill>
                     <a:latin typeface="Calibri" panose="020F0502020204030204" pitchFamily="34" charset="0"/>
                     <a:cs typeface="Calibri" panose="020F0502020204030204" pitchFamily="34" charset="0"/>
@@ -15048,7 +15108,7 @@
                       </m:rPr>
                       <a:rPr lang="es-ES">
                         <a:solidFill>
-                          <a:schemeClr val="bg1"/>
+                          <a:srgbClr val="FFC000"/>
                         </a:solidFill>
                         <a:latin typeface="Cambria Math" panose="02040503050406030204" pitchFamily="18" charset="0"/>
                         <a:cs typeface="Calibri" panose="020F0502020204030204" pitchFamily="34" charset="0"/>
@@ -15060,7 +15120,7 @@
                 <a:r>
                   <a:rPr lang="es-ES" dirty="0">
                     <a:solidFill>
-                      <a:schemeClr val="bg1"/>
+                      <a:srgbClr val="FFC000"/>
                     </a:solidFill>
                     <a:latin typeface="Calibri" panose="020F0502020204030204" pitchFamily="34" charset="0"/>
                     <a:cs typeface="Calibri" panose="020F0502020204030204" pitchFamily="34" charset="0"/>
@@ -15072,7 +15132,7 @@
                     <m:r>
                       <a:rPr lang="es-ES" i="1">
                         <a:solidFill>
-                          <a:schemeClr val="bg1"/>
+                          <a:srgbClr val="FFC000"/>
                         </a:solidFill>
                         <a:latin typeface="Cambria Math" panose="02040503050406030204" pitchFamily="18" charset="0"/>
                         <a:cs typeface="Calibri" panose="020F0502020204030204" pitchFamily="34" charset="0"/>
@@ -15084,12 +15144,22 @@
                 <a:r>
                   <a:rPr lang="es-ES" dirty="0">
                     <a:solidFill>
+                      <a:srgbClr val="FFC000"/>
+                    </a:solidFill>
+                    <a:latin typeface="Calibri" panose="020F0502020204030204" pitchFamily="34" charset="0"/>
+                    <a:cs typeface="Calibri" panose="020F0502020204030204" pitchFamily="34" charset="0"/>
+                  </a:rPr>
+                  <a:t>, </a:t>
+                </a:r>
+                <a:r>
+                  <a:rPr lang="es-ES" dirty="0">
+                    <a:solidFill>
                       <a:schemeClr val="bg1"/>
                     </a:solidFill>
                     <a:latin typeface="Calibri" panose="020F0502020204030204" pitchFamily="34" charset="0"/>
                     <a:cs typeface="Calibri" panose="020F0502020204030204" pitchFamily="34" charset="0"/>
                   </a:rPr>
-                  <a:t>, a no ser que se impongan algunas restricciones para la forma de esas matrices.</a:t>
+                  <a:t>a no ser que se impongan algunas restricciones para la forma de esas matrices.</a:t>
                 </a:r>
               </a:p>
               <a:p>
@@ -15564,7 +15634,27 @@
                           <a:latin typeface="Cambria Math" panose="02040503050406030204" pitchFamily="18" charset="0"/>
                           <a:cs typeface="Calibri" panose="020F0502020204030204" pitchFamily="34" charset="0"/>
                         </a:rPr>
+                        <m:t> </m:t>
+                      </m:r>
+                      <m:r>
+                        <a:rPr lang="es-ES" b="0" i="1" smtClean="0">
+                          <a:solidFill>
+                            <a:schemeClr val="bg1"/>
+                          </a:solidFill>
+                          <a:latin typeface="Cambria Math" panose="02040503050406030204" pitchFamily="18" charset="0"/>
+                          <a:cs typeface="Calibri" panose="020F0502020204030204" pitchFamily="34" charset="0"/>
+                        </a:rPr>
                         <m:t>=</m:t>
+                      </m:r>
+                      <m:r>
+                        <a:rPr lang="es-ES" b="0" i="1" smtClean="0">
+                          <a:solidFill>
+                            <a:schemeClr val="bg1"/>
+                          </a:solidFill>
+                          <a:latin typeface="Cambria Math" panose="02040503050406030204" pitchFamily="18" charset="0"/>
+                          <a:cs typeface="Calibri" panose="020F0502020204030204" pitchFamily="34" charset="0"/>
+                        </a:rPr>
+                        <m:t> </m:t>
                       </m:r>
                       <m:r>
                         <a:rPr lang="es-ES" b="0" i="1" smtClean="0">
@@ -15853,6 +15943,16 @@
                         </m:e>
                       </m:func>
                       <m:r>
+                        <a:rPr lang="es-ES" b="0" i="1" smtClean="0">
+                          <a:solidFill>
+                            <a:schemeClr val="bg1"/>
+                          </a:solidFill>
+                          <a:latin typeface="Cambria Math" panose="02040503050406030204" pitchFamily="18" charset="0"/>
+                          <a:cs typeface="Calibri" panose="020F0502020204030204" pitchFamily="34" charset="0"/>
+                        </a:rPr>
+                        <m:t> </m:t>
+                      </m:r>
+                      <m:r>
                         <a:rPr lang="es-ES" i="1">
                           <a:solidFill>
                             <a:schemeClr val="bg1"/>
@@ -15861,6 +15961,16 @@
                           <a:cs typeface="Calibri" panose="020F0502020204030204" pitchFamily="34" charset="0"/>
                         </a:rPr>
                         <m:t>−</m:t>
+                      </m:r>
+                      <m:r>
+                        <a:rPr lang="es-ES" b="0" i="1" smtClean="0">
+                          <a:solidFill>
+                            <a:schemeClr val="bg1"/>
+                          </a:solidFill>
+                          <a:latin typeface="Cambria Math" panose="02040503050406030204" pitchFamily="18" charset="0"/>
+                          <a:cs typeface="Calibri" panose="020F0502020204030204" pitchFamily="34" charset="0"/>
+                        </a:rPr>
+                        <m:t> </m:t>
                       </m:r>
                       <m:r>
                         <a:rPr lang="es-ES" b="0" i="1" smtClean="0">
@@ -15880,7 +15990,27 @@
                           <a:latin typeface="Cambria Math" panose="02040503050406030204" pitchFamily="18" charset="0"/>
                           <a:cs typeface="Calibri" panose="020F0502020204030204" pitchFamily="34" charset="0"/>
                         </a:rPr>
+                        <m:t> </m:t>
+                      </m:r>
+                      <m:r>
+                        <a:rPr lang="es-ES" b="0" i="1" smtClean="0">
+                          <a:solidFill>
+                            <a:schemeClr val="bg1"/>
+                          </a:solidFill>
+                          <a:latin typeface="Cambria Math" panose="02040503050406030204" pitchFamily="18" charset="0"/>
+                          <a:cs typeface="Calibri" panose="020F0502020204030204" pitchFamily="34" charset="0"/>
+                        </a:rPr>
                         <m:t>+</m:t>
+                      </m:r>
+                      <m:r>
+                        <a:rPr lang="es-ES" b="0" i="1" smtClean="0">
+                          <a:solidFill>
+                            <a:schemeClr val="bg1"/>
+                          </a:solidFill>
+                          <a:latin typeface="Cambria Math" panose="02040503050406030204" pitchFamily="18" charset="0"/>
+                          <a:cs typeface="Calibri" panose="020F0502020204030204" pitchFamily="34" charset="0"/>
+                        </a:rPr>
+                        <m:t> </m:t>
                       </m:r>
                       <m:d>
                         <m:dPr>
@@ -15917,6 +16047,16 @@
                           </m:r>
                         </m:e>
                       </m:d>
+                      <m:r>
+                        <a:rPr lang="es-ES" b="0" i="1" smtClean="0">
+                          <a:solidFill>
+                            <a:schemeClr val="bg1"/>
+                          </a:solidFill>
+                          <a:latin typeface="Cambria Math" panose="02040503050406030204" pitchFamily="18" charset="0"/>
+                          <a:cs typeface="Calibri" panose="020F0502020204030204" pitchFamily="34" charset="0"/>
+                        </a:rPr>
+                        <m:t> </m:t>
+                      </m:r>
                       <m:r>
                         <a:rPr lang="es-ES" i="1">
                           <a:solidFill>
@@ -16474,8 +16614,8 @@
           </a:p>
         </p:txBody>
       </p:sp>
-      <mc:AlternateContent xmlns:mc="http://schemas.openxmlformats.org/markup-compatibility/2006">
-        <mc:Choice xmlns:a14="http://schemas.microsoft.com/office/drawing/2010/main" Requires="a14">
+      <mc:AlternateContent xmlns:mc="http://schemas.openxmlformats.org/markup-compatibility/2006" xmlns:a14="http://schemas.microsoft.com/office/drawing/2010/main">
+        <mc:Choice Requires="a14">
           <p:sp>
             <p:nvSpPr>
               <p:cNvPr id="3" name="Marcador de contenido 2">
@@ -17151,7 +17291,7 @@
             </p:txBody>
           </p:sp>
         </mc:Choice>
-        <mc:Fallback>
+        <mc:Fallback xmlns="">
           <p:sp>
             <p:nvSpPr>
               <p:cNvPr id="3" name="Marcador de contenido 2">
@@ -17264,8 +17404,8 @@
           </a:p>
         </p:txBody>
       </p:sp>
-      <mc:AlternateContent xmlns:mc="http://schemas.openxmlformats.org/markup-compatibility/2006">
-        <mc:Choice xmlns:a14="http://schemas.microsoft.com/office/drawing/2010/main" Requires="a14">
+      <mc:AlternateContent xmlns:mc="http://schemas.openxmlformats.org/markup-compatibility/2006" xmlns:a14="http://schemas.microsoft.com/office/drawing/2010/main">
+        <mc:Choice Requires="a14">
           <p:sp>
             <p:nvSpPr>
               <p:cNvPr id="3" name="Marcador de contenido 2">
@@ -18112,7 +18252,7 @@
             </p:txBody>
           </p:sp>
         </mc:Choice>
-        <mc:Fallback>
+        <mc:Fallback xmlns="">
           <p:sp>
             <p:nvSpPr>
               <p:cNvPr id="3" name="Marcador de contenido 2">
